--- a/Lessons/L_APIs_webscraping_dashboarding/C_dashboards.pptx
+++ b/Lessons/L_APIs_webscraping_dashboarding/C_dashboards.pptx
@@ -217,7 +217,7 @@
           <a:p>
             <a:fld id="{B0C0A60C-850A-4EA4-9C14-A8FE98B94505}" type="datetimeFigureOut">
               <a:rPr lang="en-US" smtClean="0"/>
-              <a:t>4/26/21</a:t>
+              <a:t>4/25/22</a:t>
             </a:fld>
             <a:endParaRPr lang="en-US"/>
           </a:p>
@@ -616,7 +616,7 @@
           <a:p>
             <a:fld id="{5738B90E-0779-4C36-915C-6F05FCD89456}" type="datetime1">
               <a:rPr lang="en-US" smtClean="0"/>
-              <a:t>4/26/21</a:t>
+              <a:t>4/25/22</a:t>
             </a:fld>
             <a:endParaRPr lang="en-US"/>
           </a:p>
@@ -834,7 +834,7 @@
           <a:p>
             <a:fld id="{7B9EA29D-D431-42FE-B7B6-AAE4454C77D3}" type="datetime1">
               <a:rPr lang="en-US" smtClean="0"/>
-              <a:t>4/26/21</a:t>
+              <a:t>4/25/22</a:t>
             </a:fld>
             <a:endParaRPr lang="en-US"/>
           </a:p>
@@ -1112,7 +1112,7 @@
           <a:p>
             <a:fld id="{690D8A1E-EA8F-46C1-B891-AE0C00D9C314}" type="datetime1">
               <a:rPr lang="en-US" smtClean="0"/>
-              <a:t>4/26/21</a:t>
+              <a:t>4/25/22</a:t>
             </a:fld>
             <a:endParaRPr lang="en-US"/>
           </a:p>
@@ -1406,7 +1406,7 @@
           <a:p>
             <a:fld id="{D753EFC8-4232-4598-94F6-94C0EBAFC469}" type="datetime1">
               <a:rPr lang="en-US" smtClean="0"/>
-              <a:t>4/26/21</a:t>
+              <a:t>4/25/22</a:t>
             </a:fld>
             <a:endParaRPr lang="en-US"/>
           </a:p>
@@ -1721,7 +1721,7 @@
           <a:p>
             <a:fld id="{F3161074-1C18-4AE7-957D-F18524378C85}" type="datetime1">
               <a:rPr lang="en-US" smtClean="0"/>
-              <a:t>4/26/21</a:t>
+              <a:t>4/25/22</a:t>
             </a:fld>
             <a:endParaRPr lang="en-US"/>
           </a:p>
@@ -1995,7 +1995,7 @@
           <a:p>
             <a:fld id="{69BE256C-8D9A-4404-B47D-41A1AE514425}" type="datetime1">
               <a:rPr lang="en-US" smtClean="0"/>
-              <a:t>4/26/21</a:t>
+              <a:t>4/25/22</a:t>
             </a:fld>
             <a:endParaRPr lang="en-US"/>
           </a:p>
@@ -2429,7 +2429,7 @@
           <a:p>
             <a:fld id="{66CB2154-9035-4012-8189-BAAB61C5A5EE}" type="datetime1">
               <a:rPr lang="en-US" smtClean="0"/>
-              <a:t>4/26/21</a:t>
+              <a:t>4/25/22</a:t>
             </a:fld>
             <a:endParaRPr lang="en-US"/>
           </a:p>
@@ -2621,7 +2621,7 @@
           <a:p>
             <a:fld id="{6700A58B-DD98-43D0-B791-721480A02982}" type="datetime1">
               <a:rPr lang="en-US" smtClean="0"/>
-              <a:t>4/26/21</a:t>
+              <a:t>4/25/22</a:t>
             </a:fld>
             <a:endParaRPr lang="en-US"/>
           </a:p>
@@ -2813,7 +2813,7 @@
           <a:p>
             <a:fld id="{7DB6E382-4F61-4E24-BE1A-377EC83D0E3A}" type="datetime1">
               <a:rPr lang="en-US" smtClean="0"/>
-              <a:t>4/26/21</a:t>
+              <a:t>4/25/22</a:t>
             </a:fld>
             <a:endParaRPr lang="en-US"/>
           </a:p>
@@ -3124,7 +3124,7 @@
           <a:p>
             <a:fld id="{4142EED6-FC16-45B9-B8C4-2BC5DBA88325}" type="datetime1">
               <a:rPr lang="en-US" smtClean="0"/>
-              <a:t>4/26/21</a:t>
+              <a:t>4/25/22</a:t>
             </a:fld>
             <a:endParaRPr lang="en-US"/>
           </a:p>
@@ -3442,7 +3442,7 @@
           <a:p>
             <a:fld id="{DF59512B-4F1D-43D7-8819-2F53FEF69650}" type="datetime1">
               <a:rPr lang="en-US" smtClean="0"/>
-              <a:t>4/26/21</a:t>
+              <a:t>4/25/22</a:t>
             </a:fld>
             <a:endParaRPr lang="en-US"/>
           </a:p>
@@ -3718,7 +3718,7 @@
           <a:p>
             <a:fld id="{08437B94-E2BF-44DC-ADC5-B05FC9934E9D}" type="datetime1">
               <a:rPr lang="en-US" smtClean="0"/>
-              <a:t>4/26/21</a:t>
+              <a:t>4/25/22</a:t>
             </a:fld>
             <a:endParaRPr lang="en-US"/>
           </a:p>
@@ -4179,7 +4179,7 @@
           <a:p>
             <a:fld id="{6700A58B-DD98-43D0-B791-721480A02982}" type="datetime1">
               <a:rPr lang="en-US" smtClean="0"/>
-              <a:t>4/26/21</a:t>
+              <a:t>4/25/22</a:t>
             </a:fld>
             <a:endParaRPr lang="en-US"/>
           </a:p>
@@ -4434,7 +4434,7 @@
           <a:p>
             <a:fld id="{6700A58B-DD98-43D0-B791-721480A02982}" type="datetime1">
               <a:rPr lang="en-US" smtClean="0"/>
-              <a:t>4/26/21</a:t>
+              <a:t>4/25/22</a:t>
             </a:fld>
             <a:endParaRPr lang="en-US"/>
           </a:p>
@@ -4865,7 +4865,7 @@
           <a:p>
             <a:fld id="{6700A58B-DD98-43D0-B791-721480A02982}" type="datetime1">
               <a:rPr lang="en-US" smtClean="0"/>
-              <a:t>4/26/21</a:t>
+              <a:t>4/25/22</a:t>
             </a:fld>
             <a:endParaRPr lang="en-US"/>
           </a:p>
@@ -5071,7 +5071,7 @@
           <a:p>
             <a:fld id="{6700A58B-DD98-43D0-B791-721480A02982}" type="datetime1">
               <a:rPr lang="en-US" smtClean="0"/>
-              <a:t>4/26/21</a:t>
+              <a:t>4/25/22</a:t>
             </a:fld>
             <a:endParaRPr lang="en-US"/>
           </a:p>
@@ -5288,7 +5288,7 @@
           <a:p>
             <a:fld id="{6700A58B-DD98-43D0-B791-721480A02982}" type="datetime1">
               <a:rPr lang="en-US" smtClean="0"/>
-              <a:t>4/26/21</a:t>
+              <a:t>4/25/22</a:t>
             </a:fld>
             <a:endParaRPr lang="en-US"/>
           </a:p>
@@ -5593,7 +5593,7 @@
           <a:p>
             <a:fld id="{6700A58B-DD98-43D0-B791-721480A02982}" type="datetime1">
               <a:rPr lang="en-US" smtClean="0"/>
-              <a:t>4/26/21</a:t>
+              <a:t>4/25/22</a:t>
             </a:fld>
             <a:endParaRPr lang="en-US"/>
           </a:p>
@@ -5825,55 +5825,6 @@
             <a:r>
               <a:rPr lang="en-US" dirty="0"/>
               <a:t>Requires knowledge of markdown</a:t>
-            </a:r>
-          </a:p>
-        </p:txBody>
-      </p:sp>
-      <p:sp>
-        <p:nvSpPr>
-          <p:cNvPr id="7" name="Rectangle 6">
-            <a:extLst>
-              <a:ext uri="{FF2B5EF4-FFF2-40B4-BE49-F238E27FC236}">
-                <a16:creationId xmlns:a16="http://schemas.microsoft.com/office/drawing/2014/main" id="{A19486EC-1AA8-AC4F-AC53-B6C4B755C749}"/>
-              </a:ext>
-            </a:extLst>
-          </p:cNvPr>
-          <p:cNvSpPr/>
-          <p:nvPr/>
-        </p:nvSpPr>
-        <p:spPr>
-          <a:xfrm>
-            <a:off x="614363" y="5400675"/>
-            <a:ext cx="7900987" cy="614363"/>
-          </a:xfrm>
-          <a:prstGeom prst="rect">
-            <a:avLst/>
-          </a:prstGeom>
-        </p:spPr>
-        <p:style>
-          <a:lnRef idx="2">
-            <a:schemeClr val="accent1">
-              <a:shade val="50000"/>
-            </a:schemeClr>
-          </a:lnRef>
-          <a:fillRef idx="1">
-            <a:schemeClr val="accent1"/>
-          </a:fillRef>
-          <a:effectRef idx="0">
-            <a:schemeClr val="accent1"/>
-          </a:effectRef>
-          <a:fontRef idx="minor">
-            <a:schemeClr val="lt1"/>
-          </a:fontRef>
-        </p:style>
-        <p:txBody>
-          <a:bodyPr rtlCol="0" anchor="ctr"/>
-          <a:lstStyle/>
-          <a:p>
-            <a:pPr algn="ctr"/>
-            <a:r>
-              <a:rPr lang="en-US" dirty="0"/>
-              <a:t>Last semester we used library officer but this time the markdown version.</a:t>
             </a:r>
           </a:p>
         </p:txBody>
@@ -5931,7 +5882,7 @@
           <a:p>
             <a:fld id="{6700A58B-DD98-43D0-B791-721480A02982}" type="datetime1">
               <a:rPr lang="en-US" smtClean="0"/>
-              <a:t>4/26/21</a:t>
+              <a:t>4/25/22</a:t>
             </a:fld>
             <a:endParaRPr lang="en-US"/>
           </a:p>
@@ -6251,7 +6202,7 @@
           <a:p>
             <a:fld id="{6700A58B-DD98-43D0-B791-721480A02982}" type="datetime1">
               <a:rPr lang="en-US" smtClean="0"/>
-              <a:t>4/26/21</a:t>
+              <a:t>4/25/22</a:t>
             </a:fld>
             <a:endParaRPr lang="en-US"/>
           </a:p>
@@ -6596,7 +6547,7 @@
           <a:p>
             <a:fld id="{6700A58B-DD98-43D0-B791-721480A02982}" type="datetime1">
               <a:rPr lang="en-US" smtClean="0"/>
-              <a:t>4/26/21</a:t>
+              <a:t>4/25/22</a:t>
             </a:fld>
             <a:endParaRPr lang="en-US"/>
           </a:p>
@@ -6842,7 +6793,7 @@
           <a:p>
             <a:fld id="{6700A58B-DD98-43D0-B791-721480A02982}" type="datetime1">
               <a:rPr lang="en-US" smtClean="0"/>
-              <a:t>4/26/21</a:t>
+              <a:t>4/25/22</a:t>
             </a:fld>
             <a:endParaRPr lang="en-US"/>
           </a:p>
